--- a/slides/Week4.pptx
+++ b/slides/Week4.pptx
@@ -52,7 +52,7 @@
     <p:sldId id="354" r:id="rId43"/>
     <p:sldId id="302" r:id="rId44"/>
     <p:sldId id="372" r:id="rId45"/>
-    <p:sldId id="301" r:id="rId46"/>
+    <p:sldId id="381" r:id="rId46"/>
     <p:sldId id="380" r:id="rId47"/>
     <p:sldId id="315" r:id="rId48"/>
     <p:sldId id="355" r:id="rId49"/>
@@ -929,6 +929,90 @@
     <p:extLst>
       <p:ext uri="{BB962C8B-B14F-4D97-AF65-F5344CB8AC3E}">
         <p14:creationId xmlns:p14="http://schemas.microsoft.com/office/powerpoint/2010/main" val="610287324"/>
+      </p:ext>
+    </p:extLst>
+  </p:cSld>
+  <p:clrMapOvr>
+    <a:masterClrMapping/>
+  </p:clrMapOvr>
+</p:notes>
+</file>
+
+<file path=ppt/notesSlides/notesSlide6.xml><?xml version="1.0" encoding="utf-8"?>
+<p:notes xmlns:a="http://schemas.openxmlformats.org/drawingml/2006/main" xmlns:r="http://schemas.openxmlformats.org/officeDocument/2006/relationships" xmlns:p="http://schemas.openxmlformats.org/presentationml/2006/main">
+  <p:cSld>
+    <p:spTree>
+      <p:nvGrpSpPr>
+        <p:cNvPr id="1" name=""/>
+        <p:cNvGrpSpPr/>
+        <p:nvPr/>
+      </p:nvGrpSpPr>
+      <p:grpSpPr>
+        <a:xfrm>
+          <a:off x="0" y="0"/>
+          <a:ext cx="0" cy="0"/>
+          <a:chOff x="0" y="0"/>
+          <a:chExt cx="0" cy="0"/>
+        </a:xfrm>
+      </p:grpSpPr>
+      <p:sp>
+        <p:nvSpPr>
+          <p:cNvPr id="2" name="Slide Image Placeholder 1"/>
+          <p:cNvSpPr>
+            <a:spLocks noGrp="1" noRot="1" noChangeAspect="1"/>
+          </p:cNvSpPr>
+          <p:nvPr>
+            <p:ph type="sldImg"/>
+          </p:nvPr>
+        </p:nvSpPr>
+        <p:spPr/>
+      </p:sp>
+      <p:sp>
+        <p:nvSpPr>
+          <p:cNvPr id="3" name="Notes Placeholder 2"/>
+          <p:cNvSpPr>
+            <a:spLocks noGrp="1"/>
+          </p:cNvSpPr>
+          <p:nvPr>
+            <p:ph type="body" idx="1"/>
+          </p:nvPr>
+        </p:nvSpPr>
+        <p:spPr/>
+        <p:txBody>
+          <a:bodyPr/>
+          <a:lstStyle/>
+          <a:p>
+            <a:endParaRPr lang="en-US" dirty="0"/>
+          </a:p>
+        </p:txBody>
+      </p:sp>
+      <p:sp>
+        <p:nvSpPr>
+          <p:cNvPr id="4" name="Slide Number Placeholder 3"/>
+          <p:cNvSpPr>
+            <a:spLocks noGrp="1"/>
+          </p:cNvSpPr>
+          <p:nvPr>
+            <p:ph type="sldNum" sz="quarter" idx="5"/>
+          </p:nvPr>
+        </p:nvSpPr>
+        <p:spPr/>
+        <p:txBody>
+          <a:bodyPr/>
+          <a:lstStyle/>
+          <a:p>
+            <a:fld id="{E8FF933B-B1A4-C246-AE65-4CA72B74D501}" type="slidenum">
+              <a:rPr lang="en-US" smtClean="0"/>
+              <a:t>45</a:t>
+            </a:fld>
+            <a:endParaRPr lang="en-US"/>
+          </a:p>
+        </p:txBody>
+      </p:sp>
+    </p:spTree>
+    <p:extLst>
+      <p:ext uri="{BB962C8B-B14F-4D97-AF65-F5344CB8AC3E}">
+        <p14:creationId xmlns:p14="http://schemas.microsoft.com/office/powerpoint/2010/main" val="1897097399"/>
       </p:ext>
     </p:extLst>
   </p:cSld>
@@ -15618,65 +15702,163 @@
           <a:bodyPr/>
           <a:lstStyle/>
           <a:p>
-            <a:pPr algn="ctr"/>
-            <a:r>
-              <a:rPr lang="en-US" dirty="0"/>
-              <a:t>Comparing difference cities</a:t>
+            <a:r>
+              <a:rPr lang="en-US" dirty="0"/>
+              <a:t>Application to Atlanta’s temperature data</a:t>
+            </a:r>
+          </a:p>
+        </p:txBody>
+      </p:sp>
+      <p:sp>
+        <p:nvSpPr>
+          <p:cNvPr id="14" name="TextBox 13">
+            <a:extLst>
+              <a:ext uri="{FF2B5EF4-FFF2-40B4-BE49-F238E27FC236}">
+                <a16:creationId xmlns:a16="http://schemas.microsoft.com/office/drawing/2014/main" id="{50BC1A3C-92F6-AB41-B159-3814154704D1}"/>
+              </a:ext>
+            </a:extLst>
+          </p:cNvPr>
+          <p:cNvSpPr txBox="1"/>
+          <p:nvPr/>
+        </p:nvSpPr>
+        <p:spPr>
+          <a:xfrm>
+            <a:off x="5425020" y="1556087"/>
+            <a:ext cx="3283857" cy="2585323"/>
+          </a:xfrm>
+          <a:prstGeom prst="rect">
+            <a:avLst/>
+          </a:prstGeom>
+          <a:noFill/>
+        </p:spPr>
+        <p:txBody>
+          <a:bodyPr wrap="square" rtlCol="0">
+            <a:spAutoFit/>
+          </a:bodyPr>
+          <a:lstStyle/>
+          <a:p>
+            <a:r>
+              <a:rPr lang="en-US" dirty="0"/>
+              <a:t>Temperature of Atlanta appears to be warming up. </a:t>
+            </a:r>
+          </a:p>
+          <a:p>
+            <a:endParaRPr lang="en-US" dirty="0"/>
+          </a:p>
+          <a:p>
+            <a:r>
+              <a:rPr lang="en-US" dirty="0"/>
+              <a:t>Let’s estimate the linear trend</a:t>
+            </a:r>
+          </a:p>
+          <a:p>
+            <a:endParaRPr lang="en-US" dirty="0"/>
+          </a:p>
+          <a:p>
+            <a:r>
+              <a:rPr lang="en-US" dirty="0"/>
+              <a:t>y = ax + b</a:t>
+            </a:r>
+          </a:p>
+          <a:p>
+            <a:endParaRPr lang="en-US" dirty="0"/>
+          </a:p>
+          <a:p>
+            <a:r>
+              <a:rPr lang="en-US" dirty="0"/>
+              <a:t>a = 0.069 °F/year</a:t>
+            </a:r>
+          </a:p>
+          <a:p>
+            <a:r>
+              <a:rPr lang="en-US" dirty="0"/>
+              <a:t>R</a:t>
+            </a:r>
+            <a:r>
+              <a:rPr lang="en-US" baseline="30000" dirty="0"/>
+              <a:t>2</a:t>
+            </a:r>
+            <a:r>
+              <a:rPr lang="en-US" dirty="0"/>
+              <a:t> = 0.496</a:t>
+            </a:r>
+          </a:p>
+        </p:txBody>
+      </p:sp>
+      <p:sp>
+        <p:nvSpPr>
+          <p:cNvPr id="3" name="TextBox 2">
+            <a:extLst>
+              <a:ext uri="{FF2B5EF4-FFF2-40B4-BE49-F238E27FC236}">
+                <a16:creationId xmlns:a16="http://schemas.microsoft.com/office/drawing/2014/main" id="{23966720-4EB8-0E42-8999-2758D2F4C76F}"/>
+              </a:ext>
+            </a:extLst>
+          </p:cNvPr>
+          <p:cNvSpPr txBox="1"/>
+          <p:nvPr/>
+        </p:nvSpPr>
+        <p:spPr>
+          <a:xfrm>
+            <a:off x="5425020" y="4214949"/>
+            <a:ext cx="3483849" cy="646331"/>
+          </a:xfrm>
+          <a:prstGeom prst="rect">
+            <a:avLst/>
+          </a:prstGeom>
+          <a:noFill/>
+          <a:ln>
+            <a:solidFill>
+              <a:schemeClr val="accent1"/>
+            </a:solidFill>
+          </a:ln>
+        </p:spPr>
+        <p:txBody>
+          <a:bodyPr wrap="square" rtlCol="0">
+            <a:spAutoFit/>
+          </a:bodyPr>
+          <a:lstStyle/>
+          <a:p>
+            <a:r>
+              <a:rPr lang="en-US" dirty="0"/>
+              <a:t>Linear trend explains 49.6% of the total variance in the data.  </a:t>
             </a:r>
           </a:p>
         </p:txBody>
       </p:sp>
       <p:pic>
         <p:nvPicPr>
-          <p:cNvPr id="3074" name="Picture 2">
-            <a:extLst>
-              <a:ext uri="{FF2B5EF4-FFF2-40B4-BE49-F238E27FC236}">
-                <a16:creationId xmlns:a16="http://schemas.microsoft.com/office/drawing/2014/main" id="{7803E2B5-5FA4-2649-8DD0-7ABF93E12746}"/>
+          <p:cNvPr id="6" name="Picture 5">
+            <a:extLst>
+              <a:ext uri="{FF2B5EF4-FFF2-40B4-BE49-F238E27FC236}">
+                <a16:creationId xmlns:a16="http://schemas.microsoft.com/office/drawing/2014/main" id="{DBEFF027-9154-A368-9A30-D797987DBDED}"/>
               </a:ext>
             </a:extLst>
           </p:cNvPr>
           <p:cNvPicPr>
-            <a:picLocks noChangeAspect="1" noChangeArrowheads="1"/>
+            <a:picLocks noChangeAspect="1"/>
           </p:cNvPicPr>
           <p:nvPr/>
         </p:nvPicPr>
         <p:blipFill>
-          <a:blip r:embed="rId2">
-            <a:extLst>
-              <a:ext uri="{28A0092B-C50C-407E-A947-70E740481C1C}">
-                <a14:useLocalDpi xmlns:a14="http://schemas.microsoft.com/office/drawing/2010/main" val="0"/>
-              </a:ext>
-            </a:extLst>
-          </a:blip>
-          <a:srcRect/>
+          <a:blip r:embed="rId3"/>
           <a:stretch>
             <a:fillRect/>
           </a:stretch>
         </p:blipFill>
-        <p:spPr bwMode="auto">
-          <a:xfrm>
-            <a:off x="1865970" y="1197866"/>
-            <a:ext cx="5348868" cy="3649488"/>
-          </a:xfrm>
-          <a:prstGeom prst="rect">
-            <a:avLst/>
-          </a:prstGeom>
-          <a:noFill/>
-          <a:extLst>
-            <a:ext uri="{909E8E84-426E-40DD-AFC4-6F175D3DCCD1}">
-              <a14:hiddenFill xmlns:a14="http://schemas.microsoft.com/office/drawing/2010/main">
-                <a:solidFill>
-                  <a:srgbClr val="FFFFFF"/>
-                </a:solidFill>
-              </a14:hiddenFill>
-            </a:ext>
-          </a:extLst>
+        <p:spPr>
+          <a:xfrm>
+            <a:off x="435123" y="1556087"/>
+            <a:ext cx="4783217" cy="3587413"/>
+          </a:xfrm>
+          <a:prstGeom prst="rect">
+            <a:avLst/>
+          </a:prstGeom>
         </p:spPr>
       </p:pic>
     </p:spTree>
     <p:extLst>
       <p:ext uri="{BB962C8B-B14F-4D97-AF65-F5344CB8AC3E}">
-        <p14:creationId xmlns:p14="http://schemas.microsoft.com/office/powerpoint/2010/main" val="2759087603"/>
+        <p14:creationId xmlns:p14="http://schemas.microsoft.com/office/powerpoint/2010/main" val="3906199237"/>
       </p:ext>
     </p:extLst>
   </p:cSld>

--- a/slides/Week4.pptx
+++ b/slides/Week4.pptx
@@ -15723,8 +15723,8 @@
         </p:nvSpPr>
         <p:spPr>
           <a:xfrm>
-            <a:off x="5425020" y="1556087"/>
-            <a:ext cx="3283857" cy="2585323"/>
+            <a:off x="5425020" y="966994"/>
+            <a:ext cx="3283857" cy="3416320"/>
           </a:xfrm>
           <a:prstGeom prst="rect">
             <a:avLst/>
@@ -15748,6 +15748,15 @@
           <a:p>
             <a:r>
               <a:rPr lang="en-US" dirty="0"/>
+              <a:t>The warming trend seems to be higher after 1970s.</a:t>
+            </a:r>
+          </a:p>
+          <a:p>
+            <a:endParaRPr lang="en-US" dirty="0"/>
+          </a:p>
+          <a:p>
+            <a:r>
+              <a:rPr lang="en-US" dirty="0"/>
               <a:t>Let’s estimate the linear trend</a:t>
             </a:r>
           </a:p>
@@ -15799,7 +15808,7 @@
         </p:nvSpPr>
         <p:spPr>
           <a:xfrm>
-            <a:off x="5425020" y="4214949"/>
+            <a:off x="5425020" y="4383314"/>
             <a:ext cx="3483849" cy="646331"/>
           </a:xfrm>
           <a:prstGeom prst="rect">
@@ -15916,10 +15925,10 @@
       </p:sp>
       <p:pic>
         <p:nvPicPr>
-          <p:cNvPr id="6" name="Picture 5">
-            <a:extLst>
-              <a:ext uri="{FF2B5EF4-FFF2-40B4-BE49-F238E27FC236}">
-                <a16:creationId xmlns:a16="http://schemas.microsoft.com/office/drawing/2014/main" id="{646AD5D3-8B10-C7A1-DB61-59C2C067EDB4}"/>
+          <p:cNvPr id="8" name="Picture 7">
+            <a:extLst>
+              <a:ext uri="{FF2B5EF4-FFF2-40B4-BE49-F238E27FC236}">
+                <a16:creationId xmlns:a16="http://schemas.microsoft.com/office/drawing/2014/main" id="{2F1C91F9-F079-2105-ED9C-2010DB6093A8}"/>
               </a:ext>
             </a:extLst>
           </p:cNvPr>
@@ -15936,8 +15945,8 @@
         </p:blipFill>
         <p:spPr>
           <a:xfrm>
-            <a:off x="2121408" y="1181862"/>
-            <a:ext cx="5135880" cy="3851910"/>
+            <a:off x="1937004" y="1191006"/>
+            <a:ext cx="5269992" cy="3952494"/>
           </a:xfrm>
           <a:prstGeom prst="rect">
             <a:avLst/>
@@ -16040,10 +16049,10 @@
       </p:sp>
       <p:pic>
         <p:nvPicPr>
-          <p:cNvPr id="4" name="Picture 3">
-            <a:extLst>
-              <a:ext uri="{FF2B5EF4-FFF2-40B4-BE49-F238E27FC236}">
-                <a16:creationId xmlns:a16="http://schemas.microsoft.com/office/drawing/2014/main" id="{76D2CDD7-5A6C-33BB-9427-682BC39B725F}"/>
+          <p:cNvPr id="6" name="Picture 5">
+            <a:extLst>
+              <a:ext uri="{FF2B5EF4-FFF2-40B4-BE49-F238E27FC236}">
+                <a16:creationId xmlns:a16="http://schemas.microsoft.com/office/drawing/2014/main" id="{A42371D9-B5AC-2D36-9322-AD61130F18F0}"/>
               </a:ext>
             </a:extLst>
           </p:cNvPr>
@@ -16060,8 +16069,8 @@
         </p:blipFill>
         <p:spPr>
           <a:xfrm>
-            <a:off x="1728216" y="1181862"/>
-            <a:ext cx="5135880" cy="3851910"/>
+            <a:off x="1967484" y="1236726"/>
+            <a:ext cx="5209032" cy="3906774"/>
           </a:xfrm>
           <a:prstGeom prst="rect">
             <a:avLst/>
@@ -16164,10 +16173,10 @@
       </p:sp>
       <p:pic>
         <p:nvPicPr>
-          <p:cNvPr id="5" name="Picture 4">
-            <a:extLst>
-              <a:ext uri="{FF2B5EF4-FFF2-40B4-BE49-F238E27FC236}">
-                <a16:creationId xmlns:a16="http://schemas.microsoft.com/office/drawing/2014/main" id="{4067D3A8-A5CE-56CB-20B0-2237DFAA5870}"/>
+          <p:cNvPr id="7" name="Picture 6">
+            <a:extLst>
+              <a:ext uri="{FF2B5EF4-FFF2-40B4-BE49-F238E27FC236}">
+                <a16:creationId xmlns:a16="http://schemas.microsoft.com/office/drawing/2014/main" id="{E94C3AAF-3DB5-8CFD-49A3-EFED5D470728}"/>
               </a:ext>
             </a:extLst>
           </p:cNvPr>
@@ -16184,8 +16193,8 @@
         </p:blipFill>
         <p:spPr>
           <a:xfrm>
-            <a:off x="1837944" y="1017508"/>
-            <a:ext cx="5221224" cy="3915918"/>
+            <a:off x="1894332" y="1126998"/>
+            <a:ext cx="5355336" cy="4016502"/>
           </a:xfrm>
           <a:prstGeom prst="rect">
             <a:avLst/>
@@ -16288,10 +16297,10 @@
       </p:sp>
       <p:pic>
         <p:nvPicPr>
-          <p:cNvPr id="5" name="Picture 4">
-            <a:extLst>
-              <a:ext uri="{FF2B5EF4-FFF2-40B4-BE49-F238E27FC236}">
-                <a16:creationId xmlns:a16="http://schemas.microsoft.com/office/drawing/2014/main" id="{82637F48-C396-F1E6-05A0-C4819E5BA017}"/>
+          <p:cNvPr id="7" name="Picture 6">
+            <a:extLst>
+              <a:ext uri="{FF2B5EF4-FFF2-40B4-BE49-F238E27FC236}">
+                <a16:creationId xmlns:a16="http://schemas.microsoft.com/office/drawing/2014/main" id="{C0F55F95-2DC1-ECCB-ED74-0709A9856A03}"/>
               </a:ext>
             </a:extLst>
           </p:cNvPr>
@@ -16308,8 +16317,8 @@
         </p:blipFill>
         <p:spPr>
           <a:xfrm>
-            <a:off x="2036064" y="1136142"/>
-            <a:ext cx="5343144" cy="4007358"/>
+            <a:off x="1703832" y="1172718"/>
+            <a:ext cx="5294376" cy="3970782"/>
           </a:xfrm>
           <a:prstGeom prst="rect">
             <a:avLst/>
@@ -16726,25 +16735,17 @@
             </a:pPr>
             <a:r>
               <a:rPr lang="en-US" u="sng" dirty="0"/>
-              <a:t>Covariance matrix: C for </a:t>
-            </a:r>
-            <a:r>
-              <a:rPr lang="en-US" u="sng" dirty="0" err="1"/>
-              <a:t>Feburary</a:t>
-            </a:r>
-            <a:r>
-              <a:rPr lang="en-US" u="sng" dirty="0"/>
-              <a:t> temperature</a:t>
+              <a:t>Covariance matrix: C for February temperature</a:t>
             </a:r>
           </a:p>
         </p:txBody>
       </p:sp>
       <p:pic>
         <p:nvPicPr>
-          <p:cNvPr id="6" name="Picture 5">
-            <a:extLst>
-              <a:ext uri="{FF2B5EF4-FFF2-40B4-BE49-F238E27FC236}">
-                <a16:creationId xmlns:a16="http://schemas.microsoft.com/office/drawing/2014/main" id="{5F993D43-8949-34BF-699D-B07C31FE1D50}"/>
+          <p:cNvPr id="10" name="Picture 9">
+            <a:extLst>
+              <a:ext uri="{FF2B5EF4-FFF2-40B4-BE49-F238E27FC236}">
+                <a16:creationId xmlns:a16="http://schemas.microsoft.com/office/drawing/2014/main" id="{06CFA54F-BDDF-22DC-AEC8-A49ADF5246D0}"/>
               </a:ext>
             </a:extLst>
           </p:cNvPr>
@@ -16761,102 +16762,14 @@
         </p:blipFill>
         <p:spPr>
           <a:xfrm>
-            <a:off x="2117090" y="2571750"/>
-            <a:ext cx="4178300" cy="1371600"/>
+            <a:off x="1476756" y="2030740"/>
+            <a:ext cx="5652108" cy="2260843"/>
           </a:xfrm>
           <a:prstGeom prst="rect">
             <a:avLst/>
           </a:prstGeom>
         </p:spPr>
       </p:pic>
-      <p:sp>
-        <p:nvSpPr>
-          <p:cNvPr id="7" name="TextBox 6">
-            <a:extLst>
-              <a:ext uri="{FF2B5EF4-FFF2-40B4-BE49-F238E27FC236}">
-                <a16:creationId xmlns:a16="http://schemas.microsoft.com/office/drawing/2014/main" id="{70F6D4F7-E03D-4693-93BA-CB37CA9A12A5}"/>
-              </a:ext>
-            </a:extLst>
-          </p:cNvPr>
-          <p:cNvSpPr txBox="1"/>
-          <p:nvPr/>
-        </p:nvSpPr>
-        <p:spPr>
-          <a:xfrm>
-            <a:off x="2670048" y="2182368"/>
-            <a:ext cx="5376672" cy="369332"/>
-          </a:xfrm>
-          <a:prstGeom prst="rect">
-            <a:avLst/>
-          </a:prstGeom>
-          <a:noFill/>
-        </p:spPr>
-        <p:txBody>
-          <a:bodyPr wrap="square" rtlCol="0">
-            <a:spAutoFit/>
-          </a:bodyPr>
-          <a:lstStyle/>
-          <a:p>
-            <a:r>
-              <a:rPr lang="en-US" dirty="0"/>
-              <a:t>ATL           BOS            SFO           SEA  </a:t>
-            </a:r>
-          </a:p>
-        </p:txBody>
-      </p:sp>
-      <p:sp>
-        <p:nvSpPr>
-          <p:cNvPr id="8" name="TextBox 7">
-            <a:extLst>
-              <a:ext uri="{FF2B5EF4-FFF2-40B4-BE49-F238E27FC236}">
-                <a16:creationId xmlns:a16="http://schemas.microsoft.com/office/drawing/2014/main" id="{42AB8641-B819-6DE7-D9BF-9F522C556DB7}"/>
-              </a:ext>
-            </a:extLst>
-          </p:cNvPr>
-          <p:cNvSpPr txBox="1"/>
-          <p:nvPr/>
-        </p:nvSpPr>
-        <p:spPr>
-          <a:xfrm>
-            <a:off x="1553464" y="2831524"/>
-            <a:ext cx="1798320" cy="1200329"/>
-          </a:xfrm>
-          <a:prstGeom prst="rect">
-            <a:avLst/>
-          </a:prstGeom>
-          <a:noFill/>
-        </p:spPr>
-        <p:txBody>
-          <a:bodyPr wrap="square" rtlCol="0">
-            <a:spAutoFit/>
-          </a:bodyPr>
-          <a:lstStyle/>
-          <a:p>
-            <a:r>
-              <a:rPr lang="en-US" dirty="0"/>
-              <a:t>ATL              </a:t>
-            </a:r>
-          </a:p>
-          <a:p>
-            <a:r>
-              <a:rPr lang="en-US" dirty="0"/>
-              <a:t>BOS                   </a:t>
-            </a:r>
-          </a:p>
-          <a:p>
-            <a:r>
-              <a:rPr lang="en-US" dirty="0"/>
-              <a:t>SFO                     </a:t>
-            </a:r>
-          </a:p>
-          <a:p>
-            <a:r>
-              <a:rPr lang="en-US" dirty="0"/>
-              <a:t>SEA  </a:t>
-            </a:r>
-          </a:p>
-        </p:txBody>
-      </p:sp>
     </p:spTree>
     <p:extLst>
       <p:ext uri="{BB962C8B-B14F-4D97-AF65-F5344CB8AC3E}">
@@ -17086,25 +16999,17 @@
             </a:pPr>
             <a:r>
               <a:rPr lang="en-US" u="sng" dirty="0"/>
-              <a:t>Correlation matrix: R for </a:t>
-            </a:r>
-            <a:r>
-              <a:rPr lang="en-US" u="sng" dirty="0" err="1"/>
-              <a:t>Feburary</a:t>
-            </a:r>
-            <a:r>
-              <a:rPr lang="en-US" u="sng" dirty="0"/>
-              <a:t> temperature</a:t>
+              <a:t>Correlation matrix: R for February temperature</a:t>
             </a:r>
           </a:p>
         </p:txBody>
       </p:sp>
       <p:pic>
         <p:nvPicPr>
-          <p:cNvPr id="6" name="Picture 5">
-            <a:extLst>
-              <a:ext uri="{FF2B5EF4-FFF2-40B4-BE49-F238E27FC236}">
-                <a16:creationId xmlns:a16="http://schemas.microsoft.com/office/drawing/2014/main" id="{DCC501BB-D7ED-2BB5-AC09-E4FDC0C1083A}"/>
+          <p:cNvPr id="10" name="Picture 9">
+            <a:extLst>
+              <a:ext uri="{FF2B5EF4-FFF2-40B4-BE49-F238E27FC236}">
+                <a16:creationId xmlns:a16="http://schemas.microsoft.com/office/drawing/2014/main" id="{8AF245B0-9616-4B8C-72A0-D8417998EB7E}"/>
               </a:ext>
             </a:extLst>
           </p:cNvPr>
@@ -17121,102 +17026,14 @@
         </p:blipFill>
         <p:spPr>
           <a:xfrm>
-            <a:off x="1733296" y="2571750"/>
-            <a:ext cx="5384800" cy="1358900"/>
+            <a:off x="1497874" y="1951753"/>
+            <a:ext cx="6288452" cy="2680970"/>
           </a:xfrm>
           <a:prstGeom prst="rect">
             <a:avLst/>
           </a:prstGeom>
         </p:spPr>
       </p:pic>
-      <p:sp>
-        <p:nvSpPr>
-          <p:cNvPr id="7" name="TextBox 6">
-            <a:extLst>
-              <a:ext uri="{FF2B5EF4-FFF2-40B4-BE49-F238E27FC236}">
-                <a16:creationId xmlns:a16="http://schemas.microsoft.com/office/drawing/2014/main" id="{69DF0A74-E702-C904-FA23-8CA2A66354F1}"/>
-              </a:ext>
-            </a:extLst>
-          </p:cNvPr>
-          <p:cNvSpPr txBox="1"/>
-          <p:nvPr/>
-        </p:nvSpPr>
-        <p:spPr>
-          <a:xfrm>
-            <a:off x="2243328" y="2182368"/>
-            <a:ext cx="5376672" cy="369332"/>
-          </a:xfrm>
-          <a:prstGeom prst="rect">
-            <a:avLst/>
-          </a:prstGeom>
-          <a:noFill/>
-        </p:spPr>
-        <p:txBody>
-          <a:bodyPr wrap="square" rtlCol="0">
-            <a:spAutoFit/>
-          </a:bodyPr>
-          <a:lstStyle/>
-          <a:p>
-            <a:r>
-              <a:rPr lang="en-US" dirty="0"/>
-              <a:t>ATL              BOS                   SFO                     SEA  </a:t>
-            </a:r>
-          </a:p>
-        </p:txBody>
-      </p:sp>
-      <p:sp>
-        <p:nvSpPr>
-          <p:cNvPr id="8" name="TextBox 7">
-            <a:extLst>
-              <a:ext uri="{FF2B5EF4-FFF2-40B4-BE49-F238E27FC236}">
-                <a16:creationId xmlns:a16="http://schemas.microsoft.com/office/drawing/2014/main" id="{B2131D21-D44A-56D8-088D-DA264EC0936E}"/>
-              </a:ext>
-            </a:extLst>
-          </p:cNvPr>
-          <p:cNvSpPr txBox="1"/>
-          <p:nvPr/>
-        </p:nvSpPr>
-        <p:spPr>
-          <a:xfrm>
-            <a:off x="1126744" y="2831524"/>
-            <a:ext cx="1798320" cy="1200329"/>
-          </a:xfrm>
-          <a:prstGeom prst="rect">
-            <a:avLst/>
-          </a:prstGeom>
-          <a:noFill/>
-        </p:spPr>
-        <p:txBody>
-          <a:bodyPr wrap="square" rtlCol="0">
-            <a:spAutoFit/>
-          </a:bodyPr>
-          <a:lstStyle/>
-          <a:p>
-            <a:r>
-              <a:rPr lang="en-US" dirty="0"/>
-              <a:t>ATL              </a:t>
-            </a:r>
-          </a:p>
-          <a:p>
-            <a:r>
-              <a:rPr lang="en-US" dirty="0"/>
-              <a:t>BOS                   </a:t>
-            </a:r>
-          </a:p>
-          <a:p>
-            <a:r>
-              <a:rPr lang="en-US" dirty="0"/>
-              <a:t>SFO                     </a:t>
-            </a:r>
-          </a:p>
-          <a:p>
-            <a:r>
-              <a:rPr lang="en-US" dirty="0"/>
-              <a:t>SEA  </a:t>
-            </a:r>
-          </a:p>
-        </p:txBody>
-      </p:sp>
     </p:spTree>
     <p:extLst>
       <p:ext uri="{BB962C8B-B14F-4D97-AF65-F5344CB8AC3E}">
@@ -17329,7 +17146,7 @@
           <a:p>
             <a:r>
               <a:rPr lang="en-US" dirty="0"/>
-              <a:t>r=0.6</a:t>
+              <a:t>r=0.57</a:t>
             </a:r>
           </a:p>
           <a:p>
